--- a/Misc/Wiki/Wiki.pptx
+++ b/Misc/Wiki/Wiki.pptx
@@ -289,6 +289,7 @@
           <a:p>
             <a:fld id="{E1643D5C-2177-42E2-AB5D-16E24EB59E86}" type="datetimeFigureOut">
               <a:rPr lang="nl-NL" smtClean="0"/>
+              <a:pPr/>
               <a:t>6-3-2016</a:t>
             </a:fld>
             <a:endParaRPr lang="nl-NL"/>
@@ -331,6 +332,7 @@
           <a:p>
             <a:fld id="{FF1FBB78-7E0E-4269-907F-F108CF34877B}" type="slidenum">
               <a:rPr lang="nl-NL" smtClean="0"/>
+              <a:pPr/>
               <a:t>‹nr.›</a:t>
             </a:fld>
             <a:endParaRPr lang="nl-NL"/>
@@ -454,6 +456,7 @@
           <a:p>
             <a:fld id="{E1643D5C-2177-42E2-AB5D-16E24EB59E86}" type="datetimeFigureOut">
               <a:rPr lang="nl-NL" smtClean="0"/>
+              <a:pPr/>
               <a:t>6-3-2016</a:t>
             </a:fld>
             <a:endParaRPr lang="nl-NL"/>
@@ -496,6 +499,7 @@
           <a:p>
             <a:fld id="{FF1FBB78-7E0E-4269-907F-F108CF34877B}" type="slidenum">
               <a:rPr lang="nl-NL" smtClean="0"/>
+              <a:pPr/>
               <a:t>‹nr.›</a:t>
             </a:fld>
             <a:endParaRPr lang="nl-NL"/>
@@ -629,6 +633,7 @@
           <a:p>
             <a:fld id="{E1643D5C-2177-42E2-AB5D-16E24EB59E86}" type="datetimeFigureOut">
               <a:rPr lang="nl-NL" smtClean="0"/>
+              <a:pPr/>
               <a:t>6-3-2016</a:t>
             </a:fld>
             <a:endParaRPr lang="nl-NL"/>
@@ -671,6 +676,7 @@
           <a:p>
             <a:fld id="{FF1FBB78-7E0E-4269-907F-F108CF34877B}" type="slidenum">
               <a:rPr lang="nl-NL" smtClean="0"/>
+              <a:pPr/>
               <a:t>‹nr.›</a:t>
             </a:fld>
             <a:endParaRPr lang="nl-NL"/>
@@ -794,6 +800,7 @@
           <a:p>
             <a:fld id="{E1643D5C-2177-42E2-AB5D-16E24EB59E86}" type="datetimeFigureOut">
               <a:rPr lang="nl-NL" smtClean="0"/>
+              <a:pPr/>
               <a:t>6-3-2016</a:t>
             </a:fld>
             <a:endParaRPr lang="nl-NL"/>
@@ -836,6 +843,7 @@
           <a:p>
             <a:fld id="{FF1FBB78-7E0E-4269-907F-F108CF34877B}" type="slidenum">
               <a:rPr lang="nl-NL" smtClean="0"/>
+              <a:pPr/>
               <a:t>‹nr.›</a:t>
             </a:fld>
             <a:endParaRPr lang="nl-NL"/>
@@ -1035,6 +1043,7 @@
           <a:p>
             <a:fld id="{E1643D5C-2177-42E2-AB5D-16E24EB59E86}" type="datetimeFigureOut">
               <a:rPr lang="nl-NL" smtClean="0"/>
+              <a:pPr/>
               <a:t>6-3-2016</a:t>
             </a:fld>
             <a:endParaRPr lang="nl-NL"/>
@@ -1077,6 +1086,7 @@
           <a:p>
             <a:fld id="{FF1FBB78-7E0E-4269-907F-F108CF34877B}" type="slidenum">
               <a:rPr lang="nl-NL" smtClean="0"/>
+              <a:pPr/>
               <a:t>‹nr.›</a:t>
             </a:fld>
             <a:endParaRPr lang="nl-NL"/>
@@ -1318,6 +1328,7 @@
           <a:p>
             <a:fld id="{E1643D5C-2177-42E2-AB5D-16E24EB59E86}" type="datetimeFigureOut">
               <a:rPr lang="nl-NL" smtClean="0"/>
+              <a:pPr/>
               <a:t>6-3-2016</a:t>
             </a:fld>
             <a:endParaRPr lang="nl-NL"/>
@@ -1360,6 +1371,7 @@
           <a:p>
             <a:fld id="{FF1FBB78-7E0E-4269-907F-F108CF34877B}" type="slidenum">
               <a:rPr lang="nl-NL" smtClean="0"/>
+              <a:pPr/>
               <a:t>‹nr.›</a:t>
             </a:fld>
             <a:endParaRPr lang="nl-NL"/>
@@ -1735,6 +1747,7 @@
           <a:p>
             <a:fld id="{E1643D5C-2177-42E2-AB5D-16E24EB59E86}" type="datetimeFigureOut">
               <a:rPr lang="nl-NL" smtClean="0"/>
+              <a:pPr/>
               <a:t>6-3-2016</a:t>
             </a:fld>
             <a:endParaRPr lang="nl-NL"/>
@@ -1777,6 +1790,7 @@
           <a:p>
             <a:fld id="{FF1FBB78-7E0E-4269-907F-F108CF34877B}" type="slidenum">
               <a:rPr lang="nl-NL" smtClean="0"/>
+              <a:pPr/>
               <a:t>‹nr.›</a:t>
             </a:fld>
             <a:endParaRPr lang="nl-NL"/>
@@ -1848,6 +1862,7 @@
           <a:p>
             <a:fld id="{E1643D5C-2177-42E2-AB5D-16E24EB59E86}" type="datetimeFigureOut">
               <a:rPr lang="nl-NL" smtClean="0"/>
+              <a:pPr/>
               <a:t>6-3-2016</a:t>
             </a:fld>
             <a:endParaRPr lang="nl-NL"/>
@@ -1890,6 +1905,7 @@
           <a:p>
             <a:fld id="{FF1FBB78-7E0E-4269-907F-F108CF34877B}" type="slidenum">
               <a:rPr lang="nl-NL" smtClean="0"/>
+              <a:pPr/>
               <a:t>‹nr.›</a:t>
             </a:fld>
             <a:endParaRPr lang="nl-NL"/>
@@ -1938,6 +1954,7 @@
           <a:p>
             <a:fld id="{E1643D5C-2177-42E2-AB5D-16E24EB59E86}" type="datetimeFigureOut">
               <a:rPr lang="nl-NL" smtClean="0"/>
+              <a:pPr/>
               <a:t>6-3-2016</a:t>
             </a:fld>
             <a:endParaRPr lang="nl-NL"/>
@@ -1980,6 +1997,7 @@
           <a:p>
             <a:fld id="{FF1FBB78-7E0E-4269-907F-F108CF34877B}" type="slidenum">
               <a:rPr lang="nl-NL" smtClean="0"/>
+              <a:pPr/>
               <a:t>‹nr.›</a:t>
             </a:fld>
             <a:endParaRPr lang="nl-NL"/>
@@ -2210,6 +2228,7 @@
           <a:p>
             <a:fld id="{E1643D5C-2177-42E2-AB5D-16E24EB59E86}" type="datetimeFigureOut">
               <a:rPr lang="nl-NL" smtClean="0"/>
+              <a:pPr/>
               <a:t>6-3-2016</a:t>
             </a:fld>
             <a:endParaRPr lang="nl-NL"/>
@@ -2252,6 +2271,7 @@
           <a:p>
             <a:fld id="{FF1FBB78-7E0E-4269-907F-F108CF34877B}" type="slidenum">
               <a:rPr lang="nl-NL" smtClean="0"/>
+              <a:pPr/>
               <a:t>‹nr.›</a:t>
             </a:fld>
             <a:endParaRPr lang="nl-NL"/>
@@ -2458,6 +2478,7 @@
           <a:p>
             <a:fld id="{E1643D5C-2177-42E2-AB5D-16E24EB59E86}" type="datetimeFigureOut">
               <a:rPr lang="nl-NL" smtClean="0"/>
+              <a:pPr/>
               <a:t>6-3-2016</a:t>
             </a:fld>
             <a:endParaRPr lang="nl-NL"/>
@@ -2500,6 +2521,7 @@
           <a:p>
             <a:fld id="{FF1FBB78-7E0E-4269-907F-F108CF34877B}" type="slidenum">
               <a:rPr lang="nl-NL" smtClean="0"/>
+              <a:pPr/>
               <a:t>‹nr.›</a:t>
             </a:fld>
             <a:endParaRPr lang="nl-NL"/>
@@ -2666,6 +2688,7 @@
           <a:p>
             <a:fld id="{E1643D5C-2177-42E2-AB5D-16E24EB59E86}" type="datetimeFigureOut">
               <a:rPr lang="nl-NL" smtClean="0"/>
+              <a:pPr/>
               <a:t>6-3-2016</a:t>
             </a:fld>
             <a:endParaRPr lang="nl-NL"/>
@@ -2744,6 +2767,7 @@
           <a:p>
             <a:fld id="{FF1FBB78-7E0E-4269-907F-F108CF34877B}" type="slidenum">
               <a:rPr lang="nl-NL" smtClean="0"/>
+              <a:pPr/>
               <a:t>‹nr.›</a:t>
             </a:fld>
             <a:endParaRPr lang="nl-NL"/>
@@ -3053,21 +3077,754 @@
         </p:blipFill>
         <p:spPr bwMode="auto">
           <a:xfrm>
-            <a:off x="2699792" y="2204864"/>
-            <a:ext cx="2101755" cy="2825087"/>
+            <a:off x="2627784" y="1916832"/>
+            <a:ext cx="1813722" cy="2437926"/>
           </a:xfrm>
           <a:prstGeom prst="rect">
             <a:avLst/>
           </a:prstGeom>
           <a:noFill/>
-          <a:ln w="9525">
-            <a:noFill/>
+          <a:ln w="3175">
+            <a:solidFill>
+              <a:schemeClr val="tx1">
+                <a:lumMod val="50000"/>
+                <a:lumOff val="50000"/>
+              </a:schemeClr>
+            </a:solidFill>
             <a:miter lim="800000"/>
             <a:headEnd/>
             <a:tailEnd/>
           </a:ln>
         </p:spPr>
       </p:pic>
+      <p:sp>
+        <p:nvSpPr>
+          <p:cNvPr id="3" name="Rechthoek 2"/>
+          <p:cNvSpPr/>
+          <p:nvPr/>
+        </p:nvSpPr>
+        <p:spPr>
+          <a:xfrm>
+            <a:off x="2695433" y="3971498"/>
+            <a:ext cx="620974" cy="327547"/>
+          </a:xfrm>
+          <a:prstGeom prst="rect">
+            <a:avLst/>
+          </a:prstGeom>
+          <a:noFill/>
+          <a:ln w="19050">
+            <a:solidFill>
+              <a:srgbClr val="0070C0"/>
+            </a:solidFill>
+          </a:ln>
+        </p:spPr>
+        <p:style>
+          <a:lnRef idx="2">
+            <a:schemeClr val="accent1">
+              <a:shade val="50000"/>
+            </a:schemeClr>
+          </a:lnRef>
+          <a:fillRef idx="1">
+            <a:schemeClr val="accent1"/>
+          </a:fillRef>
+          <a:effectRef idx="0">
+            <a:schemeClr val="accent1"/>
+          </a:effectRef>
+          <a:fontRef idx="minor">
+            <a:schemeClr val="lt1"/>
+          </a:fontRef>
+        </p:style>
+        <p:txBody>
+          <a:bodyPr rtlCol="0" anchor="ctr"/>
+          <a:lstStyle/>
+          <a:p>
+            <a:pPr algn="ctr"/>
+            <a:endParaRPr lang="nl-NL"/>
+          </a:p>
+        </p:txBody>
+      </p:sp>
+      <p:sp>
+        <p:nvSpPr>
+          <p:cNvPr id="4" name="Rechthoek 3"/>
+          <p:cNvSpPr/>
+          <p:nvPr/>
+        </p:nvSpPr>
+        <p:spPr>
+          <a:xfrm>
+            <a:off x="3707903" y="3789039"/>
+            <a:ext cx="673027" cy="523653"/>
+          </a:xfrm>
+          <a:prstGeom prst="rect">
+            <a:avLst/>
+          </a:prstGeom>
+          <a:noFill/>
+          <a:ln w="19050">
+            <a:solidFill>
+              <a:srgbClr val="0070C0"/>
+            </a:solidFill>
+          </a:ln>
+        </p:spPr>
+        <p:style>
+          <a:lnRef idx="2">
+            <a:schemeClr val="accent1">
+              <a:shade val="50000"/>
+            </a:schemeClr>
+          </a:lnRef>
+          <a:fillRef idx="1">
+            <a:schemeClr val="accent1"/>
+          </a:fillRef>
+          <a:effectRef idx="0">
+            <a:schemeClr val="accent1"/>
+          </a:effectRef>
+          <a:fontRef idx="minor">
+            <a:schemeClr val="lt1"/>
+          </a:fontRef>
+        </p:style>
+        <p:txBody>
+          <a:bodyPr rtlCol="0" anchor="ctr"/>
+          <a:lstStyle/>
+          <a:p>
+            <a:pPr algn="ctr"/>
+            <a:endParaRPr lang="nl-NL"/>
+          </a:p>
+        </p:txBody>
+      </p:sp>
+      <p:sp>
+        <p:nvSpPr>
+          <p:cNvPr id="5" name="Rechthoek 4"/>
+          <p:cNvSpPr/>
+          <p:nvPr/>
+        </p:nvSpPr>
+        <p:spPr>
+          <a:xfrm>
+            <a:off x="2699792" y="2722728"/>
+            <a:ext cx="944160" cy="1207826"/>
+          </a:xfrm>
+          <a:prstGeom prst="rect">
+            <a:avLst/>
+          </a:prstGeom>
+          <a:noFill/>
+          <a:ln w="19050">
+            <a:solidFill>
+              <a:srgbClr val="0070C0"/>
+            </a:solidFill>
+          </a:ln>
+        </p:spPr>
+        <p:style>
+          <a:lnRef idx="2">
+            <a:schemeClr val="accent1">
+              <a:shade val="50000"/>
+            </a:schemeClr>
+          </a:lnRef>
+          <a:fillRef idx="1">
+            <a:schemeClr val="accent1"/>
+          </a:fillRef>
+          <a:effectRef idx="0">
+            <a:schemeClr val="accent1"/>
+          </a:effectRef>
+          <a:fontRef idx="minor">
+            <a:schemeClr val="lt1"/>
+          </a:fontRef>
+        </p:style>
+        <p:txBody>
+          <a:bodyPr rtlCol="0" anchor="ctr"/>
+          <a:lstStyle/>
+          <a:p>
+            <a:pPr algn="ctr"/>
+            <a:endParaRPr lang="nl-NL"/>
+          </a:p>
+        </p:txBody>
+      </p:sp>
+      <p:sp>
+        <p:nvSpPr>
+          <p:cNvPr id="6" name="Rechthoek 5"/>
+          <p:cNvSpPr/>
+          <p:nvPr/>
+        </p:nvSpPr>
+        <p:spPr>
+          <a:xfrm>
+            <a:off x="3707904" y="2924944"/>
+            <a:ext cx="662094" cy="792088"/>
+          </a:xfrm>
+          <a:prstGeom prst="rect">
+            <a:avLst/>
+          </a:prstGeom>
+          <a:noFill/>
+          <a:ln w="19050">
+            <a:solidFill>
+              <a:srgbClr val="0070C0"/>
+            </a:solidFill>
+          </a:ln>
+        </p:spPr>
+        <p:style>
+          <a:lnRef idx="2">
+            <a:schemeClr val="accent1">
+              <a:shade val="50000"/>
+            </a:schemeClr>
+          </a:lnRef>
+          <a:fillRef idx="1">
+            <a:schemeClr val="accent1"/>
+          </a:fillRef>
+          <a:effectRef idx="0">
+            <a:schemeClr val="accent1"/>
+          </a:effectRef>
+          <a:fontRef idx="minor">
+            <a:schemeClr val="lt1"/>
+          </a:fontRef>
+        </p:style>
+        <p:txBody>
+          <a:bodyPr rtlCol="0" anchor="ctr"/>
+          <a:lstStyle/>
+          <a:p>
+            <a:pPr algn="ctr"/>
+            <a:endParaRPr lang="nl-NL"/>
+          </a:p>
+        </p:txBody>
+      </p:sp>
+      <p:sp>
+        <p:nvSpPr>
+          <p:cNvPr id="7" name="Rechthoek 6"/>
+          <p:cNvSpPr/>
+          <p:nvPr/>
+        </p:nvSpPr>
+        <p:spPr>
+          <a:xfrm>
+            <a:off x="2699792" y="2367886"/>
+            <a:ext cx="1667492" cy="354841"/>
+          </a:xfrm>
+          <a:prstGeom prst="rect">
+            <a:avLst/>
+          </a:prstGeom>
+          <a:noFill/>
+          <a:ln w="19050">
+            <a:solidFill>
+              <a:srgbClr val="0070C0"/>
+            </a:solidFill>
+          </a:ln>
+        </p:spPr>
+        <p:style>
+          <a:lnRef idx="2">
+            <a:schemeClr val="accent1">
+              <a:shade val="50000"/>
+            </a:schemeClr>
+          </a:lnRef>
+          <a:fillRef idx="1">
+            <a:schemeClr val="accent1"/>
+          </a:fillRef>
+          <a:effectRef idx="0">
+            <a:schemeClr val="accent1"/>
+          </a:effectRef>
+          <a:fontRef idx="minor">
+            <a:schemeClr val="lt1"/>
+          </a:fontRef>
+        </p:style>
+        <p:txBody>
+          <a:bodyPr rtlCol="0" anchor="ctr"/>
+          <a:lstStyle/>
+          <a:p>
+            <a:pPr algn="ctr"/>
+            <a:endParaRPr lang="nl-NL"/>
+          </a:p>
+        </p:txBody>
+      </p:sp>
+      <p:sp>
+        <p:nvSpPr>
+          <p:cNvPr id="8" name="Tekstvak 7"/>
+          <p:cNvSpPr txBox="1"/>
+          <p:nvPr/>
+        </p:nvSpPr>
+        <p:spPr>
+          <a:xfrm>
+            <a:off x="4572000" y="2420888"/>
+            <a:ext cx="1223155" cy="276999"/>
+          </a:xfrm>
+          <a:prstGeom prst="rect">
+            <a:avLst/>
+          </a:prstGeom>
+          <a:noFill/>
+        </p:spPr>
+        <p:txBody>
+          <a:bodyPr wrap="none" rtlCol="0">
+            <a:spAutoFit/>
+          </a:bodyPr>
+          <a:lstStyle/>
+          <a:p>
+            <a:r>
+              <a:rPr lang="nl-NL" sz="1200" b="1" dirty="0" err="1" smtClean="0">
+                <a:solidFill>
+                  <a:srgbClr val="0070C0"/>
+                </a:solidFill>
+              </a:rPr>
+              <a:t>Current</a:t>
+            </a:r>
+            <a:r>
+              <a:rPr lang="nl-NL" sz="1200" b="1" dirty="0" smtClean="0">
+                <a:solidFill>
+                  <a:srgbClr val="0070C0"/>
+                </a:solidFill>
+              </a:rPr>
+              <a:t> </a:t>
+            </a:r>
+            <a:r>
+              <a:rPr lang="nl-NL" sz="1200" b="1" dirty="0" err="1" smtClean="0">
+                <a:solidFill>
+                  <a:srgbClr val="0070C0"/>
+                </a:solidFill>
+              </a:rPr>
+              <a:t>window</a:t>
+            </a:r>
+            <a:endParaRPr lang="nl-NL" sz="1200" b="1" dirty="0">
+              <a:solidFill>
+                <a:srgbClr val="0070C0"/>
+              </a:solidFill>
+            </a:endParaRPr>
+          </a:p>
+        </p:txBody>
+      </p:sp>
+      <p:sp>
+        <p:nvSpPr>
+          <p:cNvPr id="9" name="Tekstvak 8"/>
+          <p:cNvSpPr txBox="1"/>
+          <p:nvPr/>
+        </p:nvSpPr>
+        <p:spPr>
+          <a:xfrm>
+            <a:off x="4572000" y="3152001"/>
+            <a:ext cx="1751762" cy="276999"/>
+          </a:xfrm>
+          <a:prstGeom prst="rect">
+            <a:avLst/>
+          </a:prstGeom>
+          <a:noFill/>
+        </p:spPr>
+        <p:txBody>
+          <a:bodyPr wrap="none" rtlCol="0">
+            <a:spAutoFit/>
+          </a:bodyPr>
+          <a:lstStyle/>
+          <a:p>
+            <a:r>
+              <a:rPr lang="nl-NL" sz="1200" b="1" dirty="0" err="1" smtClean="0">
+                <a:solidFill>
+                  <a:srgbClr val="0070C0"/>
+                </a:solidFill>
+              </a:rPr>
+              <a:t>Slide</a:t>
+            </a:r>
+            <a:r>
+              <a:rPr lang="nl-NL" sz="1200" b="1" dirty="0" smtClean="0">
+                <a:solidFill>
+                  <a:srgbClr val="0070C0"/>
+                </a:solidFill>
+              </a:rPr>
+              <a:t> </a:t>
+            </a:r>
+            <a:r>
+              <a:rPr lang="nl-NL" sz="1200" b="1" dirty="0" err="1" smtClean="0">
+                <a:solidFill>
+                  <a:srgbClr val="0070C0"/>
+                </a:solidFill>
+              </a:rPr>
+              <a:t>navigation</a:t>
+            </a:r>
+            <a:r>
+              <a:rPr lang="nl-NL" sz="1200" b="1" dirty="0" smtClean="0">
+                <a:solidFill>
+                  <a:srgbClr val="0070C0"/>
+                </a:solidFill>
+              </a:rPr>
+              <a:t> </a:t>
+            </a:r>
+            <a:r>
+              <a:rPr lang="nl-NL" sz="1200" b="1" dirty="0" err="1" smtClean="0">
+                <a:solidFill>
+                  <a:srgbClr val="0070C0"/>
+                </a:solidFill>
+              </a:rPr>
+              <a:t>controls</a:t>
+            </a:r>
+            <a:endParaRPr lang="nl-NL" sz="1200" b="1" dirty="0" smtClean="0">
+              <a:solidFill>
+                <a:srgbClr val="0070C0"/>
+              </a:solidFill>
+            </a:endParaRPr>
+          </a:p>
+        </p:txBody>
+      </p:sp>
+      <p:sp>
+        <p:nvSpPr>
+          <p:cNvPr id="10" name="Tekstvak 9"/>
+          <p:cNvSpPr txBox="1"/>
+          <p:nvPr/>
+        </p:nvSpPr>
+        <p:spPr>
+          <a:xfrm>
+            <a:off x="4572981" y="3872081"/>
+            <a:ext cx="1026435" cy="276999"/>
+          </a:xfrm>
+          <a:prstGeom prst="rect">
+            <a:avLst/>
+          </a:prstGeom>
+          <a:noFill/>
+        </p:spPr>
+        <p:txBody>
+          <a:bodyPr wrap="none" rtlCol="0">
+            <a:spAutoFit/>
+          </a:bodyPr>
+          <a:lstStyle/>
+          <a:p>
+            <a:r>
+              <a:rPr lang="nl-NL" sz="1200" b="1" dirty="0" err="1" smtClean="0">
+                <a:solidFill>
+                  <a:srgbClr val="0070C0"/>
+                </a:solidFill>
+              </a:rPr>
+              <a:t>Sync</a:t>
+            </a:r>
+            <a:r>
+              <a:rPr lang="nl-NL" sz="1200" b="1" dirty="0" smtClean="0">
+                <a:solidFill>
+                  <a:srgbClr val="0070C0"/>
+                </a:solidFill>
+              </a:rPr>
+              <a:t> </a:t>
+            </a:r>
+            <a:r>
+              <a:rPr lang="nl-NL" sz="1200" b="1" dirty="0" err="1" smtClean="0">
+                <a:solidFill>
+                  <a:srgbClr val="0070C0"/>
+                </a:solidFill>
+              </a:rPr>
+              <a:t>controls</a:t>
+            </a:r>
+            <a:endParaRPr lang="nl-NL" sz="1200" b="1" dirty="0">
+              <a:solidFill>
+                <a:srgbClr val="0070C0"/>
+              </a:solidFill>
+            </a:endParaRPr>
+          </a:p>
+        </p:txBody>
+      </p:sp>
+      <p:sp>
+        <p:nvSpPr>
+          <p:cNvPr id="11" name="Tekstvak 10"/>
+          <p:cNvSpPr txBox="1"/>
+          <p:nvPr/>
+        </p:nvSpPr>
+        <p:spPr>
+          <a:xfrm>
+            <a:off x="1299406" y="3039343"/>
+            <a:ext cx="1184362" cy="461665"/>
+          </a:xfrm>
+          <a:prstGeom prst="rect">
+            <a:avLst/>
+          </a:prstGeom>
+          <a:noFill/>
+        </p:spPr>
+        <p:txBody>
+          <a:bodyPr wrap="none" rtlCol="0">
+            <a:spAutoFit/>
+          </a:bodyPr>
+          <a:lstStyle/>
+          <a:p>
+            <a:pPr algn="r"/>
+            <a:r>
+              <a:rPr lang="nl-NL" sz="1200" b="1" dirty="0" err="1" smtClean="0">
+                <a:solidFill>
+                  <a:srgbClr val="0070C0"/>
+                </a:solidFill>
+              </a:rPr>
+              <a:t>Create</a:t>
+            </a:r>
+            <a:r>
+              <a:rPr lang="nl-NL" sz="1200" b="1" dirty="0" smtClean="0">
+                <a:solidFill>
+                  <a:srgbClr val="0070C0"/>
+                </a:solidFill>
+              </a:rPr>
+              <a:t>/</a:t>
+            </a:r>
+            <a:r>
+              <a:rPr lang="nl-NL" sz="1200" b="1" dirty="0" err="1" smtClean="0">
+                <a:solidFill>
+                  <a:srgbClr val="0070C0"/>
+                </a:solidFill>
+              </a:rPr>
+              <a:t>remove</a:t>
+            </a:r>
+            <a:r>
+              <a:rPr lang="nl-NL" sz="1200" b="1" dirty="0" smtClean="0">
+                <a:solidFill>
+                  <a:srgbClr val="0070C0"/>
+                </a:solidFill>
+              </a:rPr>
+              <a:t> </a:t>
+            </a:r>
+          </a:p>
+          <a:p>
+            <a:pPr algn="r"/>
+            <a:r>
+              <a:rPr lang="nl-NL" sz="1200" b="1" dirty="0" err="1" smtClean="0">
+                <a:solidFill>
+                  <a:srgbClr val="0070C0"/>
+                </a:solidFill>
+              </a:rPr>
+              <a:t>slide</a:t>
+            </a:r>
+            <a:r>
+              <a:rPr lang="nl-NL" sz="1200" b="1" dirty="0" smtClean="0">
+                <a:solidFill>
+                  <a:srgbClr val="0070C0"/>
+                </a:solidFill>
+              </a:rPr>
+              <a:t> </a:t>
+            </a:r>
+            <a:r>
+              <a:rPr lang="nl-NL" sz="1200" b="1" dirty="0" err="1" smtClean="0">
+                <a:solidFill>
+                  <a:srgbClr val="0070C0"/>
+                </a:solidFill>
+              </a:rPr>
+              <a:t>controls</a:t>
+            </a:r>
+            <a:endParaRPr lang="nl-NL" sz="1200" b="1" dirty="0">
+              <a:solidFill>
+                <a:srgbClr val="0070C0"/>
+              </a:solidFill>
+            </a:endParaRPr>
+          </a:p>
+        </p:txBody>
+      </p:sp>
+      <p:sp>
+        <p:nvSpPr>
+          <p:cNvPr id="12" name="Tekstvak 11"/>
+          <p:cNvSpPr txBox="1"/>
+          <p:nvPr/>
+        </p:nvSpPr>
+        <p:spPr>
+          <a:xfrm>
+            <a:off x="1383788" y="3882967"/>
+            <a:ext cx="1099980" cy="461665"/>
+          </a:xfrm>
+          <a:prstGeom prst="rect">
+            <a:avLst/>
+          </a:prstGeom>
+          <a:noFill/>
+        </p:spPr>
+        <p:txBody>
+          <a:bodyPr wrap="none" rtlCol="0">
+            <a:spAutoFit/>
+          </a:bodyPr>
+          <a:lstStyle/>
+          <a:p>
+            <a:pPr algn="r"/>
+            <a:r>
+              <a:rPr lang="nl-NL" sz="1200" b="1" dirty="0" err="1" smtClean="0">
+                <a:solidFill>
+                  <a:srgbClr val="0070C0"/>
+                </a:solidFill>
+              </a:rPr>
+              <a:t>Miscellaneous</a:t>
+            </a:r>
+            <a:endParaRPr lang="nl-NL" sz="1200" b="1" dirty="0" smtClean="0">
+              <a:solidFill>
+                <a:srgbClr val="0070C0"/>
+              </a:solidFill>
+            </a:endParaRPr>
+          </a:p>
+          <a:p>
+            <a:pPr algn="r"/>
+            <a:r>
+              <a:rPr lang="nl-NL" sz="1200" b="1" dirty="0" err="1" smtClean="0">
+                <a:solidFill>
+                  <a:srgbClr val="0070C0"/>
+                </a:solidFill>
+              </a:rPr>
+              <a:t>controls</a:t>
+            </a:r>
+            <a:endParaRPr lang="nl-NL" sz="1200" b="1" dirty="0">
+              <a:solidFill>
+                <a:srgbClr val="0070C0"/>
+              </a:solidFill>
+            </a:endParaRPr>
+          </a:p>
+        </p:txBody>
+      </p:sp>
+      <p:cxnSp>
+        <p:nvCxnSpPr>
+          <p:cNvPr id="20" name="Rechte verbindingslijn 19"/>
+          <p:cNvCxnSpPr/>
+          <p:nvPr/>
+        </p:nvCxnSpPr>
+        <p:spPr>
+          <a:xfrm flipH="1">
+            <a:off x="4369624" y="2559388"/>
+            <a:ext cx="216024" cy="0"/>
+          </a:xfrm>
+          <a:prstGeom prst="line">
+            <a:avLst/>
+          </a:prstGeom>
+          <a:ln w="19050">
+            <a:solidFill>
+              <a:srgbClr val="0070C0"/>
+            </a:solidFill>
+          </a:ln>
+        </p:spPr>
+        <p:style>
+          <a:lnRef idx="1">
+            <a:schemeClr val="accent1"/>
+          </a:lnRef>
+          <a:fillRef idx="0">
+            <a:schemeClr val="accent1"/>
+          </a:fillRef>
+          <a:effectRef idx="0">
+            <a:schemeClr val="accent1"/>
+          </a:effectRef>
+          <a:fontRef idx="minor">
+            <a:schemeClr val="tx1"/>
+          </a:fontRef>
+        </p:style>
+      </p:cxnSp>
+      <p:cxnSp>
+        <p:nvCxnSpPr>
+          <p:cNvPr id="21" name="Rechte verbindingslijn 20"/>
+          <p:cNvCxnSpPr/>
+          <p:nvPr/>
+        </p:nvCxnSpPr>
+        <p:spPr>
+          <a:xfrm flipH="1">
+            <a:off x="4369624" y="3298632"/>
+            <a:ext cx="216024" cy="0"/>
+          </a:xfrm>
+          <a:prstGeom prst="line">
+            <a:avLst/>
+          </a:prstGeom>
+          <a:ln w="19050">
+            <a:solidFill>
+              <a:srgbClr val="0070C0"/>
+            </a:solidFill>
+          </a:ln>
+        </p:spPr>
+        <p:style>
+          <a:lnRef idx="1">
+            <a:schemeClr val="accent1"/>
+          </a:lnRef>
+          <a:fillRef idx="0">
+            <a:schemeClr val="accent1"/>
+          </a:fillRef>
+          <a:effectRef idx="0">
+            <a:schemeClr val="accent1"/>
+          </a:effectRef>
+          <a:fontRef idx="minor">
+            <a:schemeClr val="tx1"/>
+          </a:fontRef>
+        </p:style>
+      </p:cxnSp>
+      <p:cxnSp>
+        <p:nvCxnSpPr>
+          <p:cNvPr id="22" name="Rechte verbindingslijn 21"/>
+          <p:cNvCxnSpPr/>
+          <p:nvPr/>
+        </p:nvCxnSpPr>
+        <p:spPr>
+          <a:xfrm flipH="1">
+            <a:off x="4376448" y="4018712"/>
+            <a:ext cx="216024" cy="0"/>
+          </a:xfrm>
+          <a:prstGeom prst="line">
+            <a:avLst/>
+          </a:prstGeom>
+          <a:ln w="19050">
+            <a:solidFill>
+              <a:srgbClr val="0070C0"/>
+            </a:solidFill>
+          </a:ln>
+        </p:spPr>
+        <p:style>
+          <a:lnRef idx="1">
+            <a:schemeClr val="accent1"/>
+          </a:lnRef>
+          <a:fillRef idx="0">
+            <a:schemeClr val="accent1"/>
+          </a:fillRef>
+          <a:effectRef idx="0">
+            <a:schemeClr val="accent1"/>
+          </a:effectRef>
+          <a:fontRef idx="minor">
+            <a:schemeClr val="tx1"/>
+          </a:fontRef>
+        </p:style>
+      </p:cxnSp>
+      <p:cxnSp>
+        <p:nvCxnSpPr>
+          <p:cNvPr id="23" name="Rechte verbindingslijn 22"/>
+          <p:cNvCxnSpPr/>
+          <p:nvPr/>
+        </p:nvCxnSpPr>
+        <p:spPr>
+          <a:xfrm flipH="1">
+            <a:off x="2483768" y="3284984"/>
+            <a:ext cx="216024" cy="0"/>
+          </a:xfrm>
+          <a:prstGeom prst="line">
+            <a:avLst/>
+          </a:prstGeom>
+          <a:ln w="19050">
+            <a:solidFill>
+              <a:srgbClr val="0070C0"/>
+            </a:solidFill>
+          </a:ln>
+        </p:spPr>
+        <p:style>
+          <a:lnRef idx="1">
+            <a:schemeClr val="accent1"/>
+          </a:lnRef>
+          <a:fillRef idx="0">
+            <a:schemeClr val="accent1"/>
+          </a:fillRef>
+          <a:effectRef idx="0">
+            <a:schemeClr val="accent1"/>
+          </a:effectRef>
+          <a:fontRef idx="minor">
+            <a:schemeClr val="tx1"/>
+          </a:fontRef>
+        </p:style>
+      </p:cxnSp>
+      <p:cxnSp>
+        <p:nvCxnSpPr>
+          <p:cNvPr id="24" name="Rechte verbindingslijn 23"/>
+          <p:cNvCxnSpPr/>
+          <p:nvPr/>
+        </p:nvCxnSpPr>
+        <p:spPr>
+          <a:xfrm flipH="1">
+            <a:off x="2483768" y="4131664"/>
+            <a:ext cx="216024" cy="0"/>
+          </a:xfrm>
+          <a:prstGeom prst="line">
+            <a:avLst/>
+          </a:prstGeom>
+          <a:ln w="19050">
+            <a:solidFill>
+              <a:srgbClr val="0070C0"/>
+            </a:solidFill>
+          </a:ln>
+        </p:spPr>
+        <p:style>
+          <a:lnRef idx="1">
+            <a:schemeClr val="accent1"/>
+          </a:lnRef>
+          <a:fillRef idx="0">
+            <a:schemeClr val="accent1"/>
+          </a:fillRef>
+          <a:effectRef idx="0">
+            <a:schemeClr val="accent1"/>
+          </a:effectRef>
+          <a:fontRef idx="minor">
+            <a:schemeClr val="tx1"/>
+          </a:fontRef>
+        </p:style>
+      </p:cxnSp>
     </p:spTree>
   </p:cSld>
   <p:clrMapOvr>
